--- a/Imperial College Presentation Template.pptx
+++ b/Imperial College Presentation Template.pptx
@@ -5,24 +5,31 @@
     <p:sldMasterId id="2147483688" r:id="rId1"/>
   </p:sldMasterIdLst>
   <p:notesMasterIdLst>
-    <p:notesMasterId r:id="rId14"/>
+    <p:notesMasterId r:id="rId21"/>
   </p:notesMasterIdLst>
   <p:handoutMasterIdLst>
-    <p:handoutMasterId r:id="rId15"/>
+    <p:handoutMasterId r:id="rId22"/>
   </p:handoutMasterIdLst>
   <p:sldIdLst>
     <p:sldId id="286" r:id="rId2"/>
     <p:sldId id="259" r:id="rId3"/>
     <p:sldId id="291" r:id="rId4"/>
     <p:sldId id="287" r:id="rId5"/>
-    <p:sldId id="288" r:id="rId6"/>
-    <p:sldId id="289" r:id="rId7"/>
-    <p:sldId id="290" r:id="rId8"/>
-    <p:sldId id="292" r:id="rId9"/>
-    <p:sldId id="293" r:id="rId10"/>
-    <p:sldId id="296" r:id="rId11"/>
-    <p:sldId id="294" r:id="rId12"/>
-    <p:sldId id="295" r:id="rId13"/>
+    <p:sldId id="297" r:id="rId6"/>
+    <p:sldId id="288" r:id="rId7"/>
+    <p:sldId id="289" r:id="rId8"/>
+    <p:sldId id="302" r:id="rId9"/>
+    <p:sldId id="292" r:id="rId10"/>
+    <p:sldId id="293" r:id="rId11"/>
+    <p:sldId id="298" r:id="rId12"/>
+    <p:sldId id="296" r:id="rId13"/>
+    <p:sldId id="294" r:id="rId14"/>
+    <p:sldId id="299" r:id="rId15"/>
+    <p:sldId id="295" r:id="rId16"/>
+    <p:sldId id="300" r:id="rId17"/>
+    <p:sldId id="301" r:id="rId18"/>
+    <p:sldId id="303" r:id="rId19"/>
+    <p:sldId id="304" r:id="rId20"/>
   </p:sldIdLst>
   <p:sldSz cx="9144000" cy="5143500" type="screen16x9"/>
   <p:notesSz cx="6858000" cy="9144000"/>
@@ -245,7 +252,7 @@
           <a:p>
             <a:fld id="{C7CAC4F3-9B9F-41CA-BFFD-303059E6AFE0}" type="datetimeFigureOut">
               <a:rPr lang="en-GB" smtClean="0"/>
-              <a:t>05/12/2018</a:t>
+              <a:t>06/12/2018</a:t>
             </a:fld>
             <a:endParaRPr lang="en-GB"/>
           </a:p>
@@ -410,7 +417,7 @@
           <a:p>
             <a:fld id="{EAE64612-7707-4981-9C4E-9CB60C5A0A89}" type="datetimeFigureOut">
               <a:rPr lang="en-GB" smtClean="0"/>
-              <a:t>05/12/2018</a:t>
+              <a:t>06/12/2018</a:t>
             </a:fld>
             <a:endParaRPr lang="en-GB"/>
           </a:p>
@@ -5757,7 +5764,7 @@
         <p:spPr>
           <a:xfrm>
             <a:off x="467591" y="820882"/>
-            <a:ext cx="7928263" cy="4154984"/>
+            <a:ext cx="7928263" cy="3170099"/>
           </a:xfrm>
           <a:prstGeom prst="rect">
             <a:avLst/>
@@ -5772,33 +5779,24 @@
           <a:p>
             <a:pPr algn="ctr"/>
             <a:r>
-              <a:rPr lang="en-ZA" sz="4400" dirty="0" smtClean="0"/>
-              <a:t>What did we do with the data?</a:t>
-            </a:r>
-          </a:p>
-          <a:p>
-            <a:pPr marL="685800" indent="-685800" algn="ctr">
-              <a:buFontTx/>
-              <a:buChar char="-"/>
-            </a:pPr>
-            <a:r>
-              <a:rPr lang="en-ZA" sz="4400" dirty="0" smtClean="0"/>
-              <a:t>Placed it in a CNN. WHY?</a:t>
+              <a:rPr lang="en-ZA" sz="4000" dirty="0" smtClean="0"/>
+              <a:t>We need some data, of course. This is how we collected it.</a:t>
             </a:r>
           </a:p>
           <a:p>
             <a:pPr algn="ctr"/>
             <a:r>
-              <a:rPr lang="en-ZA" sz="4400" dirty="0" smtClean="0"/>
-              <a:t>Because we want this solution to be practical, valuable. CNN can be trained, and can identify new test data cases.</a:t>
-            </a:r>
+              <a:rPr lang="en-ZA" sz="4000" dirty="0" smtClean="0"/>
+              <a:t>- Show video of data collection (muted) or pictures of testing with US</a:t>
+            </a:r>
+            <a:endParaRPr lang="en-ZA" sz="4000" dirty="0"/>
           </a:p>
         </p:txBody>
       </p:sp>
     </p:spTree>
     <p:extLst>
       <p:ext uri="{BB962C8B-B14F-4D97-AF65-F5344CB8AC3E}">
-        <p14:creationId xmlns:p14="http://schemas.microsoft.com/office/powerpoint/2010/main" val="2161653194"/>
+        <p14:creationId xmlns:p14="http://schemas.microsoft.com/office/powerpoint/2010/main" val="2345151249"/>
       </p:ext>
     </p:extLst>
   </p:cSld>
@@ -5852,8 +5850,8 @@
         </p:nvSpPr>
         <p:spPr>
           <a:xfrm>
-            <a:off x="467591" y="820882"/>
-            <a:ext cx="7928263" cy="3477875"/>
+            <a:off x="519545" y="935182"/>
+            <a:ext cx="7928263" cy="4031873"/>
           </a:xfrm>
           <a:prstGeom prst="rect">
             <a:avLst/>
@@ -5868,26 +5866,28 @@
           <a:p>
             <a:pPr algn="ctr"/>
             <a:r>
-              <a:rPr lang="en-ZA" sz="4400" dirty="0" smtClean="0"/>
-              <a:t>What does our CNN look like?</a:t>
-            </a:r>
-          </a:p>
-          <a:p>
-            <a:pPr marL="685800" indent="-685800" algn="ctr">
-              <a:buFontTx/>
-              <a:buChar char="-"/>
-            </a:pPr>
-            <a:r>
-              <a:rPr lang="en-ZA" sz="4400" dirty="0" smtClean="0"/>
-              <a:t>Flow diagram of the CNN. Explain what is it in greater detail and reiterate importance</a:t>
-            </a:r>
+              <a:rPr lang="en-ZA" sz="3600" dirty="0" smtClean="0"/>
+              <a:t>We have only a limited sample of pictures, so this is how we increased our dataset, because more data increases the possibility of creating a robust detection system.</a:t>
+            </a:r>
+          </a:p>
+          <a:p>
+            <a:pPr algn="ctr"/>
+            <a:r>
+              <a:rPr lang="en-ZA" sz="3600" dirty="0" smtClean="0"/>
+              <a:t>Need training and testing data 70/30</a:t>
+            </a:r>
+            <a:endParaRPr lang="en-ZA" sz="3600" dirty="0" smtClean="0"/>
+          </a:p>
+          <a:p>
+            <a:pPr algn="ctr"/>
+            <a:endParaRPr lang="en-ZA" sz="4000" dirty="0"/>
           </a:p>
         </p:txBody>
       </p:sp>
     </p:spTree>
     <p:extLst>
       <p:ext uri="{BB962C8B-B14F-4D97-AF65-F5344CB8AC3E}">
-        <p14:creationId xmlns:p14="http://schemas.microsoft.com/office/powerpoint/2010/main" val="2846375408"/>
+        <p14:creationId xmlns:p14="http://schemas.microsoft.com/office/powerpoint/2010/main" val="136061831"/>
       </p:ext>
     </p:extLst>
   </p:cSld>
@@ -5933,10 +5933,758 @@
           <a:chExt cx="0" cy="0"/>
         </a:xfrm>
       </p:grpSpPr>
+      <p:sp>
+        <p:nvSpPr>
+          <p:cNvPr id="3" name="TextBox 2"/>
+          <p:cNvSpPr txBox="1"/>
+          <p:nvPr/>
+        </p:nvSpPr>
+        <p:spPr>
+          <a:xfrm>
+            <a:off x="467591" y="613064"/>
+            <a:ext cx="7928263" cy="4154984"/>
+          </a:xfrm>
+          <a:prstGeom prst="rect">
+            <a:avLst/>
+          </a:prstGeom>
+          <a:noFill/>
+        </p:spPr>
+        <p:txBody>
+          <a:bodyPr wrap="square" rtlCol="0">
+            <a:spAutoFit/>
+          </a:bodyPr>
+          <a:lstStyle/>
+          <a:p>
+            <a:pPr algn="ctr"/>
+            <a:r>
+              <a:rPr lang="en-ZA" sz="4400" dirty="0" smtClean="0"/>
+              <a:t>What did we do with the data?</a:t>
+            </a:r>
+          </a:p>
+          <a:p>
+            <a:pPr marL="685800" indent="-685800" algn="ctr">
+              <a:buFontTx/>
+              <a:buChar char="-"/>
+            </a:pPr>
+            <a:r>
+              <a:rPr lang="en-ZA" sz="4400" dirty="0" smtClean="0"/>
+              <a:t>Placed it in a CNN. WHY?</a:t>
+            </a:r>
+          </a:p>
+          <a:p>
+            <a:pPr algn="ctr"/>
+            <a:r>
+              <a:rPr lang="en-ZA" sz="4400" dirty="0" smtClean="0"/>
+              <a:t>Because we want this solution to be practical, valuable. CNN can be trained, and can identify new test data cases.</a:t>
+            </a:r>
+          </a:p>
+        </p:txBody>
+      </p:sp>
+    </p:spTree>
+    <p:extLst>
+      <p:ext uri="{BB962C8B-B14F-4D97-AF65-F5344CB8AC3E}">
+        <p14:creationId xmlns:p14="http://schemas.microsoft.com/office/powerpoint/2010/main" val="2161653194"/>
+      </p:ext>
+    </p:extLst>
+  </p:cSld>
+  <p:clrMapOvr>
+    <a:masterClrMapping/>
+  </p:clrMapOvr>
+  <mc:AlternateContent xmlns:mc="http://schemas.openxmlformats.org/markup-compatibility/2006" xmlns:p14="http://schemas.microsoft.com/office/powerpoint/2010/main">
+    <mc:Choice Requires="p14">
+      <p:transition spd="med" p14:dur="700">
+        <p:fade/>
+      </p:transition>
+    </mc:Choice>
+    <mc:Fallback xmlns="">
+      <p:transition spd="med">
+        <p:fade/>
+      </p:transition>
+    </mc:Fallback>
+  </mc:AlternateContent>
+  <p:timing>
+    <p:tnLst>
+      <p:par>
+        <p:cTn id="1" dur="indefinite" restart="never" nodeType="tmRoot"/>
+      </p:par>
+    </p:tnLst>
+  </p:timing>
+</p:sld>
+</file>
+
+<file path=ppt/slides/slide13.xml><?xml version="1.0" encoding="utf-8"?>
+<p:sld xmlns:a="http://schemas.openxmlformats.org/drawingml/2006/main" xmlns:r="http://schemas.openxmlformats.org/officeDocument/2006/relationships" xmlns:p="http://schemas.openxmlformats.org/presentationml/2006/main">
+  <p:cSld>
+    <p:spTree>
+      <p:nvGrpSpPr>
+        <p:cNvPr id="1" name=""/>
+        <p:cNvGrpSpPr/>
+        <p:nvPr/>
+      </p:nvGrpSpPr>
+      <p:grpSpPr>
+        <a:xfrm>
+          <a:off x="0" y="0"/>
+          <a:ext cx="0" cy="0"/>
+          <a:chOff x="0" y="0"/>
+          <a:chExt cx="0" cy="0"/>
+        </a:xfrm>
+      </p:grpSpPr>
+      <p:sp>
+        <p:nvSpPr>
+          <p:cNvPr id="3" name="TextBox 2"/>
+          <p:cNvSpPr txBox="1"/>
+          <p:nvPr/>
+        </p:nvSpPr>
+        <p:spPr>
+          <a:xfrm>
+            <a:off x="467591" y="820882"/>
+            <a:ext cx="7928263" cy="3477875"/>
+          </a:xfrm>
+          <a:prstGeom prst="rect">
+            <a:avLst/>
+          </a:prstGeom>
+          <a:noFill/>
+        </p:spPr>
+        <p:txBody>
+          <a:bodyPr wrap="square" rtlCol="0">
+            <a:spAutoFit/>
+          </a:bodyPr>
+          <a:lstStyle/>
+          <a:p>
+            <a:pPr algn="ctr"/>
+            <a:r>
+              <a:rPr lang="en-ZA" sz="4400" dirty="0" smtClean="0"/>
+              <a:t>What does our CNN look like?</a:t>
+            </a:r>
+          </a:p>
+          <a:p>
+            <a:pPr marL="685800" indent="-685800" algn="ctr">
+              <a:buFontTx/>
+              <a:buChar char="-"/>
+            </a:pPr>
+            <a:r>
+              <a:rPr lang="en-ZA" sz="4400" dirty="0" smtClean="0"/>
+              <a:t>Flow diagram of the CNN. Explain what is it in greater detail and reiterate importance</a:t>
+            </a:r>
+          </a:p>
+        </p:txBody>
+      </p:sp>
+    </p:spTree>
+    <p:extLst>
+      <p:ext uri="{BB962C8B-B14F-4D97-AF65-F5344CB8AC3E}">
+        <p14:creationId xmlns:p14="http://schemas.microsoft.com/office/powerpoint/2010/main" val="2846375408"/>
+      </p:ext>
+    </p:extLst>
+  </p:cSld>
+  <p:clrMapOvr>
+    <a:masterClrMapping/>
+  </p:clrMapOvr>
+  <mc:AlternateContent xmlns:mc="http://schemas.openxmlformats.org/markup-compatibility/2006" xmlns:p14="http://schemas.microsoft.com/office/powerpoint/2010/main">
+    <mc:Choice Requires="p14">
+      <p:transition spd="med" p14:dur="700">
+        <p:fade/>
+      </p:transition>
+    </mc:Choice>
+    <mc:Fallback xmlns="">
+      <p:transition spd="med">
+        <p:fade/>
+      </p:transition>
+    </mc:Fallback>
+  </mc:AlternateContent>
+  <p:timing>
+    <p:tnLst>
+      <p:par>
+        <p:cTn id="1" dur="indefinite" restart="never" nodeType="tmRoot"/>
+      </p:par>
+    </p:tnLst>
+  </p:timing>
+</p:sld>
+</file>
+
+<file path=ppt/slides/slide14.xml><?xml version="1.0" encoding="utf-8"?>
+<p:sld xmlns:a="http://schemas.openxmlformats.org/drawingml/2006/main" xmlns:r="http://schemas.openxmlformats.org/officeDocument/2006/relationships" xmlns:p="http://schemas.openxmlformats.org/presentationml/2006/main">
+  <p:cSld>
+    <p:spTree>
+      <p:nvGrpSpPr>
+        <p:cNvPr id="1" name=""/>
+        <p:cNvGrpSpPr/>
+        <p:nvPr/>
+      </p:nvGrpSpPr>
+      <p:grpSpPr>
+        <a:xfrm>
+          <a:off x="0" y="0"/>
+          <a:ext cx="0" cy="0"/>
+          <a:chOff x="0" y="0"/>
+          <a:chExt cx="0" cy="0"/>
+        </a:xfrm>
+      </p:grpSpPr>
+      <p:sp>
+        <p:nvSpPr>
+          <p:cNvPr id="3" name="TextBox 2"/>
+          <p:cNvSpPr txBox="1"/>
+          <p:nvPr/>
+        </p:nvSpPr>
+        <p:spPr>
+          <a:xfrm>
+            <a:off x="467591" y="820882"/>
+            <a:ext cx="7928263" cy="3477875"/>
+          </a:xfrm>
+          <a:prstGeom prst="rect">
+            <a:avLst/>
+          </a:prstGeom>
+          <a:noFill/>
+        </p:spPr>
+        <p:txBody>
+          <a:bodyPr wrap="square" rtlCol="0">
+            <a:spAutoFit/>
+          </a:bodyPr>
+          <a:lstStyle/>
+          <a:p>
+            <a:pPr algn="ctr"/>
+            <a:r>
+              <a:rPr lang="en-ZA" sz="4400" dirty="0" smtClean="0"/>
+              <a:t>What does our CNN look like?</a:t>
+            </a:r>
+          </a:p>
+          <a:p>
+            <a:pPr marL="685800" indent="-685800" algn="ctr">
+              <a:buFontTx/>
+              <a:buChar char="-"/>
+            </a:pPr>
+            <a:r>
+              <a:rPr lang="en-ZA" sz="4400" dirty="0" smtClean="0"/>
+              <a:t>Flow diagram of the CNN. Explain what is it in greater detail and reiterate importance</a:t>
+            </a:r>
+          </a:p>
+        </p:txBody>
+      </p:sp>
+    </p:spTree>
+    <p:extLst>
+      <p:ext uri="{BB962C8B-B14F-4D97-AF65-F5344CB8AC3E}">
+        <p14:creationId xmlns:p14="http://schemas.microsoft.com/office/powerpoint/2010/main" val="3103599172"/>
+      </p:ext>
+    </p:extLst>
+  </p:cSld>
+  <p:clrMapOvr>
+    <a:masterClrMapping/>
+  </p:clrMapOvr>
+  <mc:AlternateContent xmlns:mc="http://schemas.openxmlformats.org/markup-compatibility/2006" xmlns:p14="http://schemas.microsoft.com/office/powerpoint/2010/main">
+    <mc:Choice Requires="p14">
+      <p:transition spd="med" p14:dur="700">
+        <p:fade/>
+      </p:transition>
+    </mc:Choice>
+    <mc:Fallback xmlns="">
+      <p:transition spd="med">
+        <p:fade/>
+      </p:transition>
+    </mc:Fallback>
+  </mc:AlternateContent>
+  <p:timing>
+    <p:tnLst>
+      <p:par>
+        <p:cTn id="1" dur="indefinite" restart="never" nodeType="tmRoot"/>
+      </p:par>
+    </p:tnLst>
+  </p:timing>
+</p:sld>
+</file>
+
+<file path=ppt/slides/slide15.xml><?xml version="1.0" encoding="utf-8"?>
+<p:sld xmlns:a="http://schemas.openxmlformats.org/drawingml/2006/main" xmlns:r="http://schemas.openxmlformats.org/officeDocument/2006/relationships" xmlns:p="http://schemas.openxmlformats.org/presentationml/2006/main">
+  <p:cSld>
+    <p:spTree>
+      <p:nvGrpSpPr>
+        <p:cNvPr id="1" name=""/>
+        <p:cNvGrpSpPr/>
+        <p:nvPr/>
+      </p:nvGrpSpPr>
+      <p:grpSpPr>
+        <a:xfrm>
+          <a:off x="0" y="0"/>
+          <a:ext cx="0" cy="0"/>
+          <a:chOff x="0" y="0"/>
+          <a:chExt cx="0" cy="0"/>
+        </a:xfrm>
+      </p:grpSpPr>
+      <p:sp>
+        <p:nvSpPr>
+          <p:cNvPr id="3" name="TextBox 2"/>
+          <p:cNvSpPr txBox="1"/>
+          <p:nvPr/>
+        </p:nvSpPr>
+        <p:spPr>
+          <a:xfrm>
+            <a:off x="405246" y="0"/>
+            <a:ext cx="7928263" cy="4832092"/>
+          </a:xfrm>
+          <a:prstGeom prst="rect">
+            <a:avLst/>
+          </a:prstGeom>
+          <a:noFill/>
+        </p:spPr>
+        <p:txBody>
+          <a:bodyPr wrap="square" rtlCol="0">
+            <a:spAutoFit/>
+          </a:bodyPr>
+          <a:lstStyle/>
+          <a:p>
+            <a:pPr algn="ctr"/>
+            <a:r>
+              <a:rPr lang="en-ZA" sz="4400" dirty="0" smtClean="0"/>
+              <a:t>These are the results. </a:t>
+            </a:r>
+          </a:p>
+          <a:p>
+            <a:pPr marL="571500" indent="-571500" algn="ctr">
+              <a:buFontTx/>
+              <a:buChar char="-"/>
+            </a:pPr>
+            <a:r>
+              <a:rPr lang="en-ZA" sz="4400" dirty="0" smtClean="0"/>
+              <a:t>95% accuracy with the annotated testing data in water.</a:t>
+            </a:r>
+          </a:p>
+          <a:p>
+            <a:pPr marL="571500" indent="-571500" algn="ctr">
+              <a:buFontTx/>
+              <a:buChar char="-"/>
+            </a:pPr>
+            <a:r>
+              <a:rPr lang="en-ZA" sz="4400" dirty="0" smtClean="0"/>
+              <a:t>Really clean image, so not practical. How about a phantom? </a:t>
+            </a:r>
+            <a:endParaRPr lang="en-ZA" sz="4400" dirty="0" smtClean="0"/>
+          </a:p>
+        </p:txBody>
+      </p:sp>
     </p:spTree>
     <p:extLst>
       <p:ext uri="{BB962C8B-B14F-4D97-AF65-F5344CB8AC3E}">
         <p14:creationId xmlns:p14="http://schemas.microsoft.com/office/powerpoint/2010/main" val="1977894152"/>
+      </p:ext>
+    </p:extLst>
+  </p:cSld>
+  <p:clrMapOvr>
+    <a:masterClrMapping/>
+  </p:clrMapOvr>
+  <mc:AlternateContent xmlns:mc="http://schemas.openxmlformats.org/markup-compatibility/2006" xmlns:p14="http://schemas.microsoft.com/office/powerpoint/2010/main">
+    <mc:Choice Requires="p14">
+      <p:transition spd="med" p14:dur="700">
+        <p:fade/>
+      </p:transition>
+    </mc:Choice>
+    <mc:Fallback xmlns="">
+      <p:transition spd="med">
+        <p:fade/>
+      </p:transition>
+    </mc:Fallback>
+  </mc:AlternateContent>
+  <p:timing>
+    <p:tnLst>
+      <p:par>
+        <p:cTn id="1" dur="indefinite" restart="never" nodeType="tmRoot"/>
+      </p:par>
+    </p:tnLst>
+  </p:timing>
+</p:sld>
+</file>
+
+<file path=ppt/slides/slide16.xml><?xml version="1.0" encoding="utf-8"?>
+<p:sld xmlns:a="http://schemas.openxmlformats.org/drawingml/2006/main" xmlns:r="http://schemas.openxmlformats.org/officeDocument/2006/relationships" xmlns:p="http://schemas.openxmlformats.org/presentationml/2006/main">
+  <p:cSld>
+    <p:spTree>
+      <p:nvGrpSpPr>
+        <p:cNvPr id="1" name=""/>
+        <p:cNvGrpSpPr/>
+        <p:nvPr/>
+      </p:nvGrpSpPr>
+      <p:grpSpPr>
+        <a:xfrm>
+          <a:off x="0" y="0"/>
+          <a:ext cx="0" cy="0"/>
+          <a:chOff x="0" y="0"/>
+          <a:chExt cx="0" cy="0"/>
+        </a:xfrm>
+      </p:grpSpPr>
+      <p:sp>
+        <p:nvSpPr>
+          <p:cNvPr id="3" name="TextBox 2"/>
+          <p:cNvSpPr txBox="1"/>
+          <p:nvPr/>
+        </p:nvSpPr>
+        <p:spPr>
+          <a:xfrm>
+            <a:off x="405246" y="0"/>
+            <a:ext cx="7928263" cy="4832092"/>
+          </a:xfrm>
+          <a:prstGeom prst="rect">
+            <a:avLst/>
+          </a:prstGeom>
+          <a:noFill/>
+        </p:spPr>
+        <p:txBody>
+          <a:bodyPr wrap="square" rtlCol="0">
+            <a:spAutoFit/>
+          </a:bodyPr>
+          <a:lstStyle/>
+          <a:p>
+            <a:pPr algn="ctr"/>
+            <a:r>
+              <a:rPr lang="en-ZA" sz="4400" dirty="0" smtClean="0"/>
+              <a:t>These are the results. </a:t>
+            </a:r>
+          </a:p>
+          <a:p>
+            <a:pPr marL="571500" indent="-571500" algn="ctr">
+              <a:buFontTx/>
+              <a:buChar char="-"/>
+            </a:pPr>
+            <a:r>
+              <a:rPr lang="en-ZA" sz="4400" dirty="0" smtClean="0"/>
+              <a:t>95.4% accuracy with the annotated testing data in water.</a:t>
+            </a:r>
+          </a:p>
+          <a:p>
+            <a:pPr marL="571500" indent="-571500" algn="ctr">
+              <a:buFontTx/>
+              <a:buChar char="-"/>
+            </a:pPr>
+            <a:r>
+              <a:rPr lang="en-ZA" sz="4400" dirty="0" smtClean="0"/>
+              <a:t>Really clean image, so not practical. How about a phantom? </a:t>
+            </a:r>
+            <a:endParaRPr lang="en-ZA" sz="4400" dirty="0" smtClean="0"/>
+          </a:p>
+        </p:txBody>
+      </p:sp>
+    </p:spTree>
+    <p:extLst>
+      <p:ext uri="{BB962C8B-B14F-4D97-AF65-F5344CB8AC3E}">
+        <p14:creationId xmlns:p14="http://schemas.microsoft.com/office/powerpoint/2010/main" val="3909891463"/>
+      </p:ext>
+    </p:extLst>
+  </p:cSld>
+  <p:clrMapOvr>
+    <a:masterClrMapping/>
+  </p:clrMapOvr>
+  <mc:AlternateContent xmlns:mc="http://schemas.openxmlformats.org/markup-compatibility/2006" xmlns:p14="http://schemas.microsoft.com/office/powerpoint/2010/main">
+    <mc:Choice Requires="p14">
+      <p:transition spd="med" p14:dur="700">
+        <p:fade/>
+      </p:transition>
+    </mc:Choice>
+    <mc:Fallback xmlns="">
+      <p:transition spd="med">
+        <p:fade/>
+      </p:transition>
+    </mc:Fallback>
+  </mc:AlternateContent>
+  <p:timing>
+    <p:tnLst>
+      <p:par>
+        <p:cTn id="1" dur="indefinite" restart="never" nodeType="tmRoot"/>
+      </p:par>
+    </p:tnLst>
+  </p:timing>
+</p:sld>
+</file>
+
+<file path=ppt/slides/slide17.xml><?xml version="1.0" encoding="utf-8"?>
+<p:sld xmlns:a="http://schemas.openxmlformats.org/drawingml/2006/main" xmlns:r="http://schemas.openxmlformats.org/officeDocument/2006/relationships" xmlns:p="http://schemas.openxmlformats.org/presentationml/2006/main">
+  <p:cSld>
+    <p:spTree>
+      <p:nvGrpSpPr>
+        <p:cNvPr id="1" name=""/>
+        <p:cNvGrpSpPr/>
+        <p:nvPr/>
+      </p:nvGrpSpPr>
+      <p:grpSpPr>
+        <a:xfrm>
+          <a:off x="0" y="0"/>
+          <a:ext cx="0" cy="0"/>
+          <a:chOff x="0" y="0"/>
+          <a:chExt cx="0" cy="0"/>
+        </a:xfrm>
+      </p:grpSpPr>
+      <p:sp>
+        <p:nvSpPr>
+          <p:cNvPr id="3" name="TextBox 2"/>
+          <p:cNvSpPr txBox="1"/>
+          <p:nvPr/>
+        </p:nvSpPr>
+        <p:spPr>
+          <a:xfrm>
+            <a:off x="384465" y="841664"/>
+            <a:ext cx="7928263" cy="3477875"/>
+          </a:xfrm>
+          <a:prstGeom prst="rect">
+            <a:avLst/>
+          </a:prstGeom>
+          <a:noFill/>
+        </p:spPr>
+        <p:txBody>
+          <a:bodyPr wrap="square" rtlCol="0">
+            <a:spAutoFit/>
+          </a:bodyPr>
+          <a:lstStyle/>
+          <a:p>
+            <a:pPr algn="ctr"/>
+            <a:r>
+              <a:rPr lang="en-ZA" sz="4400" dirty="0" smtClean="0"/>
+              <a:t>Used the trained data to identify the needle in a phantom. How did it do?</a:t>
+            </a:r>
+          </a:p>
+          <a:p>
+            <a:pPr algn="ctr"/>
+            <a:r>
+              <a:rPr lang="en-ZA" sz="4400" dirty="0" smtClean="0"/>
+              <a:t>Here are some pictures of our phantom and the results </a:t>
+            </a:r>
+            <a:endParaRPr lang="en-ZA" sz="4400" dirty="0" smtClean="0"/>
+          </a:p>
+        </p:txBody>
+      </p:sp>
+    </p:spTree>
+    <p:extLst>
+      <p:ext uri="{BB962C8B-B14F-4D97-AF65-F5344CB8AC3E}">
+        <p14:creationId xmlns:p14="http://schemas.microsoft.com/office/powerpoint/2010/main" val="3389233268"/>
+      </p:ext>
+    </p:extLst>
+  </p:cSld>
+  <p:clrMapOvr>
+    <a:masterClrMapping/>
+  </p:clrMapOvr>
+  <mc:AlternateContent xmlns:mc="http://schemas.openxmlformats.org/markup-compatibility/2006" xmlns:p14="http://schemas.microsoft.com/office/powerpoint/2010/main">
+    <mc:Choice Requires="p14">
+      <p:transition spd="med" p14:dur="700">
+        <p:fade/>
+      </p:transition>
+    </mc:Choice>
+    <mc:Fallback xmlns="">
+      <p:transition spd="med">
+        <p:fade/>
+      </p:transition>
+    </mc:Fallback>
+  </mc:AlternateContent>
+  <p:timing>
+    <p:tnLst>
+      <p:par>
+        <p:cTn id="1" dur="indefinite" restart="never" nodeType="tmRoot"/>
+      </p:par>
+    </p:tnLst>
+  </p:timing>
+</p:sld>
+</file>
+
+<file path=ppt/slides/slide18.xml><?xml version="1.0" encoding="utf-8"?>
+<p:sld xmlns:a="http://schemas.openxmlformats.org/drawingml/2006/main" xmlns:r="http://schemas.openxmlformats.org/officeDocument/2006/relationships" xmlns:p="http://schemas.openxmlformats.org/presentationml/2006/main">
+  <p:cSld>
+    <p:spTree>
+      <p:nvGrpSpPr>
+        <p:cNvPr id="1" name=""/>
+        <p:cNvGrpSpPr/>
+        <p:nvPr/>
+      </p:nvGrpSpPr>
+      <p:grpSpPr>
+        <a:xfrm>
+          <a:off x="0" y="0"/>
+          <a:ext cx="0" cy="0"/>
+          <a:chOff x="0" y="0"/>
+          <a:chExt cx="0" cy="0"/>
+        </a:xfrm>
+      </p:grpSpPr>
+      <p:sp>
+        <p:nvSpPr>
+          <p:cNvPr id="3" name="TextBox 2"/>
+          <p:cNvSpPr txBox="1"/>
+          <p:nvPr/>
+        </p:nvSpPr>
+        <p:spPr>
+          <a:xfrm>
+            <a:off x="529937" y="945573"/>
+            <a:ext cx="7928263" cy="3416320"/>
+          </a:xfrm>
+          <a:prstGeom prst="rect">
+            <a:avLst/>
+          </a:prstGeom>
+          <a:noFill/>
+        </p:spPr>
+        <p:txBody>
+          <a:bodyPr wrap="square" rtlCol="0">
+            <a:spAutoFit/>
+          </a:bodyPr>
+          <a:lstStyle/>
+          <a:p>
+            <a:pPr algn="ctr"/>
+            <a:r>
+              <a:rPr lang="en-ZA" sz="3600" dirty="0" smtClean="0"/>
+              <a:t>How can we make this project better?</a:t>
+            </a:r>
+          </a:p>
+          <a:p>
+            <a:pPr marL="571500" indent="-571500" algn="ctr">
+              <a:buFontTx/>
+              <a:buChar char="-"/>
+            </a:pPr>
+            <a:r>
+              <a:rPr lang="en-ZA" sz="3600" dirty="0" smtClean="0"/>
+              <a:t>Larger dataset</a:t>
+            </a:r>
+          </a:p>
+          <a:p>
+            <a:pPr marL="571500" indent="-571500" algn="ctr">
+              <a:buFontTx/>
+              <a:buChar char="-"/>
+            </a:pPr>
+            <a:r>
+              <a:rPr lang="en-ZA" sz="3600" dirty="0" smtClean="0"/>
+              <a:t>Larger ultrasound probe</a:t>
+            </a:r>
+          </a:p>
+          <a:p>
+            <a:pPr marL="571500" indent="-571500" algn="ctr">
+              <a:buFontTx/>
+              <a:buChar char="-"/>
+            </a:pPr>
+            <a:r>
+              <a:rPr lang="en-ZA" sz="3600" dirty="0" smtClean="0"/>
+              <a:t>Augmenting our training technique (as shown in this paper)</a:t>
+            </a:r>
+          </a:p>
+          <a:p>
+            <a:pPr marL="571500" indent="-571500" algn="ctr">
+              <a:buFontTx/>
+              <a:buChar char="-"/>
+            </a:pPr>
+            <a:r>
+              <a:rPr lang="en-ZA" sz="3600" dirty="0" smtClean="0"/>
+              <a:t>Real-time image processing.</a:t>
+            </a:r>
+            <a:endParaRPr lang="en-ZA" sz="3600" dirty="0" smtClean="0"/>
+          </a:p>
+        </p:txBody>
+      </p:sp>
+    </p:spTree>
+    <p:extLst>
+      <p:ext uri="{BB962C8B-B14F-4D97-AF65-F5344CB8AC3E}">
+        <p14:creationId xmlns:p14="http://schemas.microsoft.com/office/powerpoint/2010/main" val="1377190817"/>
+      </p:ext>
+    </p:extLst>
+  </p:cSld>
+  <p:clrMapOvr>
+    <a:masterClrMapping/>
+  </p:clrMapOvr>
+  <mc:AlternateContent xmlns:mc="http://schemas.openxmlformats.org/markup-compatibility/2006" xmlns:p14="http://schemas.microsoft.com/office/powerpoint/2010/main">
+    <mc:Choice Requires="p14">
+      <p:transition spd="med" p14:dur="700">
+        <p:fade/>
+      </p:transition>
+    </mc:Choice>
+    <mc:Fallback xmlns="">
+      <p:transition spd="med">
+        <p:fade/>
+      </p:transition>
+    </mc:Fallback>
+  </mc:AlternateContent>
+  <p:timing>
+    <p:tnLst>
+      <p:par>
+        <p:cTn id="1" dur="indefinite" restart="never" nodeType="tmRoot"/>
+      </p:par>
+    </p:tnLst>
+  </p:timing>
+</p:sld>
+</file>
+
+<file path=ppt/slides/slide19.xml><?xml version="1.0" encoding="utf-8"?>
+<p:sld xmlns:a="http://schemas.openxmlformats.org/drawingml/2006/main" xmlns:r="http://schemas.openxmlformats.org/officeDocument/2006/relationships" xmlns:p="http://schemas.openxmlformats.org/presentationml/2006/main">
+  <p:cSld>
+    <p:spTree>
+      <p:nvGrpSpPr>
+        <p:cNvPr id="1" name=""/>
+        <p:cNvGrpSpPr/>
+        <p:nvPr/>
+      </p:nvGrpSpPr>
+      <p:grpSpPr>
+        <a:xfrm>
+          <a:off x="0" y="0"/>
+          <a:ext cx="0" cy="0"/>
+          <a:chOff x="0" y="0"/>
+          <a:chExt cx="0" cy="0"/>
+        </a:xfrm>
+      </p:grpSpPr>
+      <p:sp>
+        <p:nvSpPr>
+          <p:cNvPr id="3" name="TextBox 2"/>
+          <p:cNvSpPr txBox="1"/>
+          <p:nvPr/>
+        </p:nvSpPr>
+        <p:spPr>
+          <a:xfrm>
+            <a:off x="509155" y="803850"/>
+            <a:ext cx="7928263" cy="4339650"/>
+          </a:xfrm>
+          <a:prstGeom prst="rect">
+            <a:avLst/>
+          </a:prstGeom>
+          <a:noFill/>
+        </p:spPr>
+        <p:txBody>
+          <a:bodyPr wrap="square" rtlCol="0">
+            <a:spAutoFit/>
+          </a:bodyPr>
+          <a:lstStyle/>
+          <a:p>
+            <a:pPr algn="ctr"/>
+            <a:r>
+              <a:rPr lang="en-ZA" sz="3000" dirty="0" smtClean="0"/>
+              <a:t>So just to summarise:</a:t>
+            </a:r>
+          </a:p>
+          <a:p>
+            <a:pPr marL="571500" indent="-571500" algn="ctr">
+              <a:buFontTx/>
+              <a:buChar char="-"/>
+            </a:pPr>
+            <a:r>
+              <a:rPr lang="en-ZA" sz="3000" dirty="0" smtClean="0"/>
+              <a:t>Needle detection and guidance is useful, but conventionally has issues that can be approved on with engineering.</a:t>
+            </a:r>
+          </a:p>
+          <a:p>
+            <a:pPr marL="571500" indent="-571500" algn="ctr">
+              <a:buFontTx/>
+              <a:buChar char="-"/>
+            </a:pPr>
+            <a:r>
+              <a:rPr lang="en-ZA" sz="3000" dirty="0" smtClean="0"/>
+              <a:t>We propose automated needle detecting using a CNN.</a:t>
+            </a:r>
+          </a:p>
+          <a:p>
+            <a:pPr marL="571500" indent="-571500" algn="ctr">
+              <a:buFontTx/>
+              <a:buChar char="-"/>
+            </a:pPr>
+            <a:r>
+              <a:rPr lang="en-ZA" sz="3000" dirty="0" smtClean="0"/>
+              <a:t>These are our results. This is where we can improve.</a:t>
+            </a:r>
+          </a:p>
+          <a:p>
+            <a:pPr marL="571500" indent="-571500" algn="ctr">
+              <a:buFontTx/>
+              <a:buChar char="-"/>
+            </a:pPr>
+            <a:endParaRPr lang="en-ZA" sz="3600" dirty="0" smtClean="0"/>
+          </a:p>
+        </p:txBody>
+      </p:sp>
+    </p:spTree>
+    <p:extLst>
+      <p:ext uri="{BB962C8B-B14F-4D97-AF65-F5344CB8AC3E}">
+        <p14:creationId xmlns:p14="http://schemas.microsoft.com/office/powerpoint/2010/main" val="786657179"/>
       </p:ext>
     </p:extLst>
   </p:cSld>
@@ -6250,8 +6998,8 @@
         </p:nvSpPr>
         <p:spPr>
           <a:xfrm>
-            <a:off x="498764" y="1091046"/>
-            <a:ext cx="7928263" cy="3046988"/>
+            <a:off x="509156" y="768926"/>
+            <a:ext cx="7928263" cy="3785652"/>
           </a:xfrm>
           <a:prstGeom prst="rect">
             <a:avLst/>
@@ -6266,24 +7014,47 @@
           <a:p>
             <a:pPr algn="ctr"/>
             <a:r>
-              <a:rPr lang="en-ZA" sz="4800" dirty="0" smtClean="0"/>
-              <a:t>What are the man benefits of Ultrasound?</a:t>
-            </a:r>
-          </a:p>
-          <a:p>
-            <a:pPr algn="ctr"/>
-            <a:r>
-              <a:rPr lang="en-ZA" sz="4800" dirty="0" smtClean="0"/>
-              <a:t>- Fast, inexpensive, universal etc. etc. etc.</a:t>
-            </a:r>
-            <a:endParaRPr lang="en-ZA" sz="4800" dirty="0"/>
+              <a:rPr lang="en-ZA" sz="4000" dirty="0" smtClean="0"/>
+              <a:t>Not just a hunch. We know that research interest exists as is evident from the following papers:</a:t>
+            </a:r>
+          </a:p>
+          <a:p>
+            <a:pPr marL="571500" indent="-571500" algn="ctr">
+              <a:buFont typeface="Arial" panose="020B0604020202020204" pitchFamily="34" charset="0"/>
+              <a:buChar char="•"/>
+            </a:pPr>
+            <a:r>
+              <a:rPr lang="en-ZA" sz="4000" dirty="0" smtClean="0"/>
+              <a:t>Paper 1</a:t>
+            </a:r>
+          </a:p>
+          <a:p>
+            <a:pPr marL="571500" indent="-571500" algn="ctr">
+              <a:buFont typeface="Arial" panose="020B0604020202020204" pitchFamily="34" charset="0"/>
+              <a:buChar char="•"/>
+            </a:pPr>
+            <a:r>
+              <a:rPr lang="en-ZA" sz="4000" dirty="0" smtClean="0"/>
+              <a:t>Paper 2 </a:t>
+            </a:r>
+          </a:p>
+          <a:p>
+            <a:pPr marL="571500" indent="-571500" algn="ctr">
+              <a:buFont typeface="Arial" panose="020B0604020202020204" pitchFamily="34" charset="0"/>
+              <a:buChar char="•"/>
+            </a:pPr>
+            <a:r>
+              <a:rPr lang="en-ZA" sz="4000" dirty="0" smtClean="0"/>
+              <a:t>Interesting result 3 etc. etc.</a:t>
+            </a:r>
+            <a:endParaRPr lang="en-ZA" sz="4000" dirty="0"/>
           </a:p>
         </p:txBody>
       </p:sp>
     </p:spTree>
     <p:extLst>
       <p:ext uri="{BB962C8B-B14F-4D97-AF65-F5344CB8AC3E}">
-        <p14:creationId xmlns:p14="http://schemas.microsoft.com/office/powerpoint/2010/main" val="696602975"/>
+        <p14:creationId xmlns:p14="http://schemas.microsoft.com/office/powerpoint/2010/main" val="971543348"/>
       </p:ext>
     </p:extLst>
   </p:cSld>
@@ -6337,8 +7108,8 @@
         </p:nvSpPr>
         <p:spPr>
           <a:xfrm>
-            <a:off x="488373" y="207815"/>
-            <a:ext cx="7928263" cy="4524315"/>
+            <a:off x="498764" y="1091046"/>
+            <a:ext cx="7928263" cy="3046988"/>
           </a:xfrm>
           <a:prstGeom prst="rect">
             <a:avLst/>
@@ -6354,31 +7125,23 @@
             <a:pPr algn="ctr"/>
             <a:r>
               <a:rPr lang="en-ZA" sz="4800" dirty="0" smtClean="0"/>
-              <a:t>But why US? Tracking is better with a sensor no?</a:t>
+              <a:t>What are the man benefits of Ultrasound?</a:t>
             </a:r>
           </a:p>
           <a:p>
             <a:pPr algn="ctr"/>
+            <a:r>
+              <a:rPr lang="en-ZA" sz="4800" dirty="0" smtClean="0"/>
+              <a:t>- Fast, inexpensive, universal etc. etc. etc.</a:t>
+            </a:r>
             <a:endParaRPr lang="en-ZA" sz="4800" dirty="0"/>
-          </a:p>
-          <a:p>
-            <a:pPr algn="ctr"/>
-            <a:r>
-              <a:rPr lang="en-ZA" sz="4800" dirty="0" smtClean="0"/>
-              <a:t>Not if you want to keep the surgical workflow the same. </a:t>
-            </a:r>
-            <a:r>
-              <a:rPr lang="en-ZA" sz="4800" i="1" dirty="0" smtClean="0"/>
-              <a:t>Perceptual docking</a:t>
-            </a:r>
-            <a:endParaRPr lang="en-ZA" sz="4800" i="1" dirty="0"/>
           </a:p>
         </p:txBody>
       </p:sp>
     </p:spTree>
     <p:extLst>
       <p:ext uri="{BB962C8B-B14F-4D97-AF65-F5344CB8AC3E}">
-        <p14:creationId xmlns:p14="http://schemas.microsoft.com/office/powerpoint/2010/main" val="1482652100"/>
+        <p14:creationId xmlns:p14="http://schemas.microsoft.com/office/powerpoint/2010/main" val="696602975"/>
       </p:ext>
     </p:extLst>
   </p:cSld>
@@ -6432,8 +7195,8 @@
         </p:nvSpPr>
         <p:spPr>
           <a:xfrm>
-            <a:off x="467591" y="820882"/>
-            <a:ext cx="7928263" cy="1569660"/>
+            <a:off x="457200" y="955960"/>
+            <a:ext cx="7928263" cy="3416320"/>
           </a:xfrm>
           <a:prstGeom prst="rect">
             <a:avLst/>
@@ -6448,17 +7211,32 @@
           <a:p>
             <a:pPr algn="ctr"/>
             <a:r>
-              <a:rPr lang="en-ZA" sz="4800" dirty="0" smtClean="0"/>
-              <a:t>Obviously constrained by time, </a:t>
-            </a:r>
-            <a:endParaRPr lang="en-ZA" sz="4800" dirty="0"/>
+              <a:rPr lang="en-ZA" sz="3600" dirty="0" smtClean="0"/>
+              <a:t>But why US? Tracking is better with a sensor no?</a:t>
+            </a:r>
+          </a:p>
+          <a:p>
+            <a:pPr algn="ctr"/>
+            <a:endParaRPr lang="en-ZA" sz="3600" dirty="0"/>
+          </a:p>
+          <a:p>
+            <a:pPr algn="ctr"/>
+            <a:r>
+              <a:rPr lang="en-ZA" sz="3600" dirty="0" smtClean="0"/>
+              <a:t>Not if you want to keep the surgical workflow the same. </a:t>
+            </a:r>
+            <a:r>
+              <a:rPr lang="en-ZA" sz="3600" i="1" dirty="0" smtClean="0"/>
+              <a:t>Perceptual docking</a:t>
+            </a:r>
+            <a:endParaRPr lang="en-ZA" sz="3600" i="1" dirty="0"/>
           </a:p>
         </p:txBody>
       </p:sp>
     </p:spTree>
     <p:extLst>
       <p:ext uri="{BB962C8B-B14F-4D97-AF65-F5344CB8AC3E}">
-        <p14:creationId xmlns:p14="http://schemas.microsoft.com/office/powerpoint/2010/main" val="254062647"/>
+        <p14:creationId xmlns:p14="http://schemas.microsoft.com/office/powerpoint/2010/main" val="1482652100"/>
       </p:ext>
     </p:extLst>
   </p:cSld>
@@ -6506,14 +7284,14 @@
       </p:grpSpPr>
       <p:sp>
         <p:nvSpPr>
-          <p:cNvPr id="5" name="TextBox 4"/>
+          <p:cNvPr id="3" name="TextBox 2"/>
           <p:cNvSpPr txBox="1"/>
           <p:nvPr/>
         </p:nvSpPr>
         <p:spPr>
           <a:xfrm>
-            <a:off x="467591" y="820882"/>
-            <a:ext cx="7928263" cy="3046988"/>
+            <a:off x="405247" y="644237"/>
+            <a:ext cx="7928263" cy="5509200"/>
           </a:xfrm>
           <a:prstGeom prst="rect">
             <a:avLst/>
@@ -6528,47 +7306,57 @@
           <a:p>
             <a:pPr algn="ctr"/>
             <a:r>
-              <a:rPr lang="en-ZA" sz="4800" dirty="0" smtClean="0"/>
-              <a:t> MODEL:</a:t>
-            </a:r>
-          </a:p>
-          <a:p>
-            <a:pPr marL="685800" indent="-685800" algn="ctr">
-              <a:buFontTx/>
-              <a:buChar char="-"/>
+              <a:rPr lang="en-ZA" sz="4400" dirty="0" smtClean="0"/>
+              <a:t>There are, of course, a number of constraints that we’re dealing with here</a:t>
+            </a:r>
+          </a:p>
+          <a:p>
+            <a:pPr marL="571500" indent="-571500" algn="ctr">
+              <a:buFont typeface="Arial" panose="020B0604020202020204" pitchFamily="34" charset="0"/>
+              <a:buChar char="•"/>
             </a:pPr>
             <a:r>
-              <a:rPr lang="en-ZA" sz="4800" dirty="0" smtClean="0"/>
-              <a:t>Water (Flesh)</a:t>
-            </a:r>
-          </a:p>
-          <a:p>
-            <a:pPr marL="685800" indent="-685800" algn="ctr">
-              <a:buFontTx/>
-              <a:buChar char="-"/>
+              <a:rPr lang="en-ZA" sz="4400" dirty="0" smtClean="0"/>
+              <a:t>Time</a:t>
+            </a:r>
+          </a:p>
+          <a:p>
+            <a:pPr marL="571500" indent="-571500" algn="ctr">
+              <a:buFont typeface="Arial" panose="020B0604020202020204" pitchFamily="34" charset="0"/>
+              <a:buChar char="•"/>
             </a:pPr>
             <a:r>
-              <a:rPr lang="en-ZA" sz="4800" dirty="0" smtClean="0"/>
-              <a:t>Needle (Tool)</a:t>
-            </a:r>
-          </a:p>
-          <a:p>
-            <a:pPr marL="685800" indent="-685800" algn="ctr">
-              <a:buFontTx/>
-              <a:buChar char="-"/>
+              <a:rPr lang="en-ZA" sz="4400" dirty="0" smtClean="0"/>
+              <a:t>Size of Ultrasound probe</a:t>
+            </a:r>
+          </a:p>
+          <a:p>
+            <a:pPr marL="571500" indent="-571500" algn="ctr">
+              <a:buFont typeface="Arial" panose="020B0604020202020204" pitchFamily="34" charset="0"/>
+              <a:buChar char="•"/>
             </a:pPr>
             <a:r>
-              <a:rPr lang="en-ZA" sz="4800" dirty="0" smtClean="0"/>
-              <a:t>Cup (Boundaries)</a:t>
-            </a:r>
-            <a:endParaRPr lang="en-ZA" sz="4800" dirty="0"/>
+              <a:rPr lang="en-ZA" sz="4400" dirty="0" smtClean="0"/>
+              <a:t>Subjective annotations</a:t>
+            </a:r>
+          </a:p>
+          <a:p>
+            <a:pPr marL="571500" indent="-571500" algn="ctr">
+              <a:buFont typeface="Arial" panose="020B0604020202020204" pitchFamily="34" charset="0"/>
+              <a:buChar char="•"/>
+            </a:pPr>
+            <a:endParaRPr lang="en-ZA" sz="4400" dirty="0" smtClean="0"/>
+          </a:p>
+          <a:p>
+            <a:pPr algn="ctr"/>
+            <a:endParaRPr lang="en-ZA" sz="4400" dirty="0" smtClean="0"/>
           </a:p>
         </p:txBody>
       </p:sp>
     </p:spTree>
     <p:extLst>
       <p:ext uri="{BB962C8B-B14F-4D97-AF65-F5344CB8AC3E}">
-        <p14:creationId xmlns:p14="http://schemas.microsoft.com/office/powerpoint/2010/main" val="536399921"/>
+        <p14:creationId xmlns:p14="http://schemas.microsoft.com/office/powerpoint/2010/main" val="4091459413"/>
       </p:ext>
     </p:extLst>
   </p:cSld>
@@ -6616,14 +7404,14 @@
       </p:grpSpPr>
       <p:sp>
         <p:nvSpPr>
-          <p:cNvPr id="3" name="TextBox 2"/>
+          <p:cNvPr id="5" name="TextBox 4"/>
           <p:cNvSpPr txBox="1"/>
           <p:nvPr/>
         </p:nvSpPr>
         <p:spPr>
           <a:xfrm>
-            <a:off x="467591" y="820882"/>
-            <a:ext cx="7928263" cy="3170099"/>
+            <a:off x="477982" y="405245"/>
+            <a:ext cx="7928263" cy="4031873"/>
           </a:xfrm>
           <a:prstGeom prst="rect">
             <a:avLst/>
@@ -6639,23 +7427,61 @@
             <a:pPr algn="ctr"/>
             <a:r>
               <a:rPr lang="en-ZA" sz="4000" dirty="0" smtClean="0"/>
-              <a:t>We need some data, of course. This is how we collected it.</a:t>
+              <a:t> </a:t>
+            </a:r>
+            <a:r>
+              <a:rPr lang="en-ZA" sz="3600" dirty="0" smtClean="0"/>
+              <a:t>MODEL:</a:t>
+            </a:r>
+          </a:p>
+          <a:p>
+            <a:pPr marL="685800" indent="-685800" algn="ctr">
+              <a:buFontTx/>
+              <a:buChar char="-"/>
+            </a:pPr>
+            <a:r>
+              <a:rPr lang="en-ZA" sz="3600" dirty="0" smtClean="0"/>
+              <a:t>Water (Flesh)</a:t>
+            </a:r>
+          </a:p>
+          <a:p>
+            <a:pPr marL="685800" indent="-685800" algn="ctr">
+              <a:buFontTx/>
+              <a:buChar char="-"/>
+            </a:pPr>
+            <a:r>
+              <a:rPr lang="en-ZA" sz="3600" dirty="0" smtClean="0"/>
+              <a:t>Needle (Tool)</a:t>
+            </a:r>
+          </a:p>
+          <a:p>
+            <a:pPr marL="685800" indent="-685800" algn="ctr">
+              <a:buFontTx/>
+              <a:buChar char="-"/>
+            </a:pPr>
+            <a:r>
+              <a:rPr lang="en-ZA" sz="3600" dirty="0" smtClean="0"/>
+              <a:t>Cup (Boundaries</a:t>
+            </a:r>
+            <a:r>
+              <a:rPr lang="en-ZA" sz="3600" dirty="0" smtClean="0"/>
+              <a:t>)</a:t>
             </a:r>
           </a:p>
           <a:p>
             <a:pPr algn="ctr"/>
             <a:r>
-              <a:rPr lang="en-ZA" sz="4000" dirty="0" smtClean="0"/>
-              <a:t>- Show video of data collection (muted) or pictures of testing with US</a:t>
-            </a:r>
-            <a:endParaRPr lang="en-ZA" sz="4000" dirty="0"/>
+              <a:rPr lang="en-ZA" sz="3600" dirty="0" smtClean="0"/>
+              <a:t>We chose this model because of water’s acoustic impedance. Impedance matching</a:t>
+            </a:r>
+            <a:endParaRPr lang="en-ZA" sz="3600" dirty="0"/>
           </a:p>
         </p:txBody>
       </p:sp>
     </p:spTree>
     <p:extLst>
       <p:ext uri="{BB962C8B-B14F-4D97-AF65-F5344CB8AC3E}">
-        <p14:creationId xmlns:p14="http://schemas.microsoft.com/office/powerpoint/2010/main" val="2345151249"/>
+        <p14:creationId xmlns:p14="http://schemas.microsoft.com/office/powerpoint/2010/main" val="536399921"/>
       </p:ext>
     </p:extLst>
   </p:cSld>
